--- a/deck_090713 (1).pptx
+++ b/deck_090713 (1).pptx
@@ -25,11 +25,21 @@
   <p:notesSz cx="6858000" cy="9144000"/>
   <p:embeddedFontLst>
     <p:embeddedFont>
+      <p:font typeface="Amasis MT Pro Black" panose="02040A04050005020304" pitchFamily="18" charset="0"/>
+      <p:bold r:id="rId15"/>
+      <p:boldItalic r:id="rId16"/>
+    </p:embeddedFont>
+    <p:embeddedFont>
+      <p:font typeface="Aptos ExtraBold" panose="020B0004020202020204" pitchFamily="34" charset="0"/>
+      <p:bold r:id="rId17"/>
+      <p:boldItalic r:id="rId18"/>
+    </p:embeddedFont>
+    <p:embeddedFont>
       <p:font typeface="Google Sans" panose="020B0604020202020204" charset="0"/>
-      <p:regular r:id="rId15"/>
-      <p:bold r:id="rId16"/>
-      <p:italic r:id="rId17"/>
-      <p:boldItalic r:id="rId18"/>
+      <p:regular r:id="rId19"/>
+      <p:bold r:id="rId20"/>
+      <p:italic r:id="rId21"/>
+      <p:boldItalic r:id="rId22"/>
     </p:embeddedFont>
   </p:embeddedFontLst>
   <p:defaultTextStyle>
@@ -9965,7 +9975,7 @@
         </p:nvSpPr>
         <p:spPr>
           <a:xfrm>
-            <a:off x="201000" y="784175"/>
+            <a:off x="100500" y="405033"/>
             <a:ext cx="8943000" cy="495000"/>
           </a:xfrm>
           <a:prstGeom prst="rect">
@@ -9992,7 +10002,7 @@
               <a:buNone/>
             </a:pPr>
             <a:r>
-              <a:rPr lang="en-GB" sz="1600" b="1">
+              <a:rPr lang="en-GB" sz="1600" b="1" dirty="0">
                 <a:latin typeface="Google Sans"/>
                 <a:ea typeface="Google Sans"/>
                 <a:cs typeface="Google Sans"/>
@@ -10000,12 +10010,393 @@
               </a:rPr>
               <a:t>Technologies to be used in the solution</a:t>
             </a:r>
-            <a:endParaRPr sz="1600" b="1">
+            <a:endParaRPr sz="1600" b="1" dirty="0">
               <a:latin typeface="Google Sans"/>
               <a:ea typeface="Google Sans"/>
               <a:cs typeface="Google Sans"/>
               <a:sym typeface="Google Sans"/>
             </a:endParaRPr>
+          </a:p>
+        </p:txBody>
+      </p:sp>
+      <p:sp>
+        <p:nvSpPr>
+          <p:cNvPr id="3" name="TextBox 2">
+            <a:extLst>
+              <a:ext uri="{FF2B5EF4-FFF2-40B4-BE49-F238E27FC236}">
+                <a16:creationId xmlns:a16="http://schemas.microsoft.com/office/drawing/2014/main" id="{F47C9C9B-F9E6-C8B8-5623-B424DBCB1123}"/>
+              </a:ext>
+            </a:extLst>
+          </p:cNvPr>
+          <p:cNvSpPr txBox="1"/>
+          <p:nvPr/>
+        </p:nvSpPr>
+        <p:spPr>
+          <a:xfrm>
+            <a:off x="170984" y="745297"/>
+            <a:ext cx="8872515" cy="4401205"/>
+          </a:xfrm>
+          <a:prstGeom prst="rect">
+            <a:avLst/>
+          </a:prstGeom>
+          <a:noFill/>
+        </p:spPr>
+        <p:txBody>
+          <a:bodyPr wrap="square">
+            <a:spAutoFit/>
+          </a:bodyPr>
+          <a:lstStyle/>
+          <a:p>
+            <a:pPr>
+              <a:buNone/>
+            </a:pPr>
+            <a:r>
+              <a:rPr lang="en-IN" u="sng" dirty="0">
+                <a:latin typeface="Amasis MT Pro Black" panose="02040A04050005020304" pitchFamily="18" charset="0"/>
+              </a:rPr>
+              <a:t>Frontend</a:t>
+            </a:r>
+          </a:p>
+          <a:p>
+            <a:pPr>
+              <a:buFont typeface="Arial" panose="020B0604020202020204" pitchFamily="34" charset="0"/>
+              <a:buChar char="•"/>
+            </a:pPr>
+            <a:r>
+              <a:rPr lang="en-IN" dirty="0">
+                <a:latin typeface="Aptos ExtraBold" panose="020F0502020204030204" pitchFamily="34" charset="0"/>
+              </a:rPr>
+              <a:t>React.js</a:t>
+            </a:r>
+            <a:r>
+              <a:rPr lang="en-IN" b="1" dirty="0"/>
+              <a:t>:</a:t>
+            </a:r>
+            <a:r>
+              <a:rPr lang="en-IN" dirty="0"/>
+              <a:t> The core library for building our fast, mobile-first Progressive Web App (PWA) interface.</a:t>
+            </a:r>
+          </a:p>
+          <a:p>
+            <a:pPr>
+              <a:buFont typeface="Arial" panose="020B0604020202020204" pitchFamily="34" charset="0"/>
+              <a:buChar char="•"/>
+            </a:pPr>
+            <a:r>
+              <a:rPr lang="en-IN" dirty="0">
+                <a:latin typeface="Aptos ExtraBold" panose="020B0004020202020204" pitchFamily="34" charset="0"/>
+                <a:cs typeface="Angsana New" panose="020B0502040204020203" pitchFamily="18" charset="-34"/>
+              </a:rPr>
+              <a:t>PWA Features</a:t>
+            </a:r>
+            <a:r>
+              <a:rPr lang="en-IN" b="1" dirty="0"/>
+              <a:t>:</a:t>
+            </a:r>
+            <a:r>
+              <a:rPr lang="en-IN" dirty="0"/>
+              <a:t> to enable app-like features like installing to the home screen, offline access, and push notifications via service workers.</a:t>
+            </a:r>
+          </a:p>
+          <a:p>
+            <a:pPr>
+              <a:buFont typeface="Arial" panose="020B0604020202020204" pitchFamily="34" charset="0"/>
+              <a:buChar char="•"/>
+            </a:pPr>
+            <a:r>
+              <a:rPr lang="en-IN" dirty="0">
+                <a:latin typeface="Aptos ExtraBold" panose="020B0004020202020204" pitchFamily="34" charset="0"/>
+              </a:rPr>
+              <a:t>Firebase Hosting</a:t>
+            </a:r>
+            <a:r>
+              <a:rPr lang="en-IN" b="1" dirty="0"/>
+              <a:t>:</a:t>
+            </a:r>
+            <a:r>
+              <a:rPr lang="en-IN" dirty="0"/>
+              <a:t> for deploying our PWA globally with speed, security, and a built-in CDN.</a:t>
+            </a:r>
+          </a:p>
+          <a:p>
+            <a:pPr>
+              <a:buNone/>
+            </a:pPr>
+            <a:r>
+              <a:rPr lang="en-IN" b="1" u="sng" dirty="0">
+                <a:latin typeface="Amasis MT Pro Black" panose="02040A04050005020304" pitchFamily="18" charset="0"/>
+              </a:rPr>
+              <a:t>Backend</a:t>
+            </a:r>
+          </a:p>
+          <a:p>
+            <a:pPr>
+              <a:buFont typeface="Arial" panose="020B0604020202020204" pitchFamily="34" charset="0"/>
+              <a:buChar char="•"/>
+            </a:pPr>
+            <a:r>
+              <a:rPr lang="en-IN" dirty="0">
+                <a:latin typeface="Aptos ExtraBold" panose="020B0004020202020204" pitchFamily="34" charset="0"/>
+              </a:rPr>
+              <a:t>Node.js &amp; Express.js</a:t>
+            </a:r>
+            <a:r>
+              <a:rPr lang="en-IN" b="1" dirty="0"/>
+              <a:t>:</a:t>
+            </a:r>
+            <a:r>
+              <a:rPr lang="en-IN" dirty="0"/>
+              <a:t> to build our core backend API to handle all business logic and requests.</a:t>
+            </a:r>
+          </a:p>
+          <a:p>
+            <a:pPr>
+              <a:buFont typeface="Arial" panose="020B0604020202020204" pitchFamily="34" charset="0"/>
+              <a:buChar char="•"/>
+            </a:pPr>
+            <a:r>
+              <a:rPr lang="en-IN" dirty="0">
+                <a:latin typeface="Aptos ExtraBold" panose="020B0004020202020204" pitchFamily="34" charset="0"/>
+              </a:rPr>
+              <a:t>Google Cloud Run</a:t>
+            </a:r>
+            <a:r>
+              <a:rPr lang="en-IN" b="1" dirty="0"/>
+              <a:t>:</a:t>
+            </a:r>
+            <a:r>
+              <a:rPr lang="en-IN" dirty="0"/>
+              <a:t> platform to deploy and automatically scale our Node.js backend container.</a:t>
+            </a:r>
+          </a:p>
+          <a:p>
+            <a:pPr>
+              <a:buNone/>
+            </a:pPr>
+            <a:r>
+              <a:rPr lang="en-IN" b="1" u="sng" dirty="0">
+                <a:latin typeface="Amasis MT Pro Black" panose="02040A04050005020304" pitchFamily="18" charset="0"/>
+              </a:rPr>
+              <a:t>Database</a:t>
+            </a:r>
+          </a:p>
+          <a:p>
+            <a:pPr>
+              <a:buFont typeface="Arial" panose="020B0604020202020204" pitchFamily="34" charset="0"/>
+              <a:buChar char="•"/>
+            </a:pPr>
+            <a:r>
+              <a:rPr lang="en-IN" dirty="0">
+                <a:latin typeface="Aptos ExtraBold" panose="020B0004020202020204" pitchFamily="34" charset="0"/>
+              </a:rPr>
+              <a:t>Google Cloud </a:t>
+            </a:r>
+            <a:r>
+              <a:rPr lang="en-IN" dirty="0" err="1">
+                <a:latin typeface="Aptos ExtraBold" panose="020B0004020202020204" pitchFamily="34" charset="0"/>
+              </a:rPr>
+              <a:t>Firestore</a:t>
+            </a:r>
+            <a:r>
+              <a:rPr lang="en-IN" b="1" dirty="0"/>
+              <a:t>:</a:t>
+            </a:r>
+            <a:r>
+              <a:rPr lang="en-IN" dirty="0"/>
+              <a:t> scalable NoSQL database for storing user profiles and application data.</a:t>
+            </a:r>
+          </a:p>
+          <a:p>
+            <a:pPr>
+              <a:buFont typeface="Arial" panose="020B0604020202020204" pitchFamily="34" charset="0"/>
+              <a:buChar char="•"/>
+            </a:pPr>
+            <a:r>
+              <a:rPr lang="en-IN" dirty="0">
+                <a:latin typeface="Aptos ExtraBold" panose="020B0004020202020204" pitchFamily="34" charset="0"/>
+              </a:rPr>
+              <a:t>Firebase Realtime Database</a:t>
+            </a:r>
+            <a:r>
+              <a:rPr lang="en-IN" b="1" dirty="0"/>
+              <a:t>:</a:t>
+            </a:r>
+            <a:r>
+              <a:rPr lang="en-IN" dirty="0"/>
+              <a:t> will provide ultra low-latency data sync, good for our live market price feature.</a:t>
+            </a:r>
+          </a:p>
+          <a:p>
+            <a:pPr>
+              <a:buNone/>
+            </a:pPr>
+            <a:r>
+              <a:rPr lang="en-IN" u="sng" dirty="0">
+                <a:latin typeface="Amasis MT Pro Black" panose="02040A04050005020304" pitchFamily="18" charset="0"/>
+              </a:rPr>
+              <a:t>AI &amp; Machine Learning (The Brain)</a:t>
+            </a:r>
+          </a:p>
+          <a:p>
+            <a:pPr>
+              <a:buFont typeface="Arial" panose="020B0604020202020204" pitchFamily="34" charset="0"/>
+              <a:buChar char="•"/>
+            </a:pPr>
+            <a:r>
+              <a:rPr lang="en-IN" b="1" dirty="0">
+                <a:latin typeface="Aptos ExtraBold" panose="020B0004020202020204" pitchFamily="34" charset="0"/>
+              </a:rPr>
+              <a:t>Vertex AI (Gemini Pro Vision):  </a:t>
+            </a:r>
+            <a:r>
+              <a:rPr lang="en-IN" dirty="0">
+                <a:latin typeface="Aptos ExtraBold" panose="020B0004020202020204" pitchFamily="34" charset="0"/>
+              </a:rPr>
+              <a:t> </a:t>
+            </a:r>
+            <a:r>
+              <a:rPr lang="en-IN" dirty="0"/>
+              <a:t>to  analyse farmer's crop photos to diagnose diseases.</a:t>
+            </a:r>
+          </a:p>
+          <a:p>
+            <a:pPr>
+              <a:buFont typeface="Arial" panose="020B0604020202020204" pitchFamily="34" charset="0"/>
+              <a:buChar char="•"/>
+            </a:pPr>
+            <a:r>
+              <a:rPr lang="en-IN" b="1" dirty="0">
+                <a:latin typeface="Aptos ExtraBold" panose="020B0004020202020204" pitchFamily="34" charset="0"/>
+              </a:rPr>
+              <a:t>Vertex AI (Gemini Pro):</a:t>
+            </a:r>
+            <a:r>
+              <a:rPr lang="en-IN" dirty="0">
+                <a:latin typeface="Aptos ExtraBold" panose="020B0004020202020204" pitchFamily="34" charset="0"/>
+              </a:rPr>
+              <a:t> </a:t>
+            </a:r>
+            <a:r>
+              <a:rPr lang="en-IN" dirty="0"/>
+              <a:t>The reasoning engine for understanding questions and summarizing information.</a:t>
+            </a:r>
+          </a:p>
+          <a:p>
+            <a:pPr>
+              <a:buFont typeface="Arial" panose="020B0604020202020204" pitchFamily="34" charset="0"/>
+              <a:buChar char="•"/>
+            </a:pPr>
+            <a:r>
+              <a:rPr lang="en-IN" b="1" dirty="0">
+                <a:latin typeface="Aptos ExtraBold" panose="020B0004020202020204" pitchFamily="34" charset="0"/>
+              </a:rPr>
+              <a:t>Vertex AI (Speech-to-Text):</a:t>
+            </a:r>
+            <a:r>
+              <a:rPr lang="en-IN" dirty="0">
+                <a:latin typeface="Aptos ExtraBold" panose="020B0004020202020204" pitchFamily="34" charset="0"/>
+              </a:rPr>
+              <a:t> </a:t>
+            </a:r>
+            <a:r>
+              <a:rPr lang="en-IN" dirty="0"/>
+              <a:t>to convert spoken commands in Kannada, Hindi, &amp; English to text.</a:t>
+            </a:r>
+          </a:p>
+          <a:p>
+            <a:pPr>
+              <a:buFont typeface="Arial" panose="020B0604020202020204" pitchFamily="34" charset="0"/>
+              <a:buChar char="•"/>
+            </a:pPr>
+            <a:r>
+              <a:rPr lang="en-IN" b="1" dirty="0">
+                <a:latin typeface="Aptos ExtraBold" panose="020B0004020202020204" pitchFamily="34" charset="0"/>
+              </a:rPr>
+              <a:t>Vertex AI (Text-to-Speech):</a:t>
+            </a:r>
+            <a:r>
+              <a:rPr lang="en-IN" dirty="0">
+                <a:latin typeface="Aptos ExtraBold" panose="020B0004020202020204" pitchFamily="34" charset="0"/>
+              </a:rPr>
+              <a:t>  </a:t>
+            </a:r>
+            <a:r>
+              <a:rPr lang="en-IN" dirty="0"/>
+              <a:t> to generate clear, natural-sounding voice responses for the farmer.</a:t>
+            </a:r>
+          </a:p>
+          <a:p>
+            <a:pPr>
+              <a:buNone/>
+            </a:pPr>
+            <a:r>
+              <a:rPr lang="en-IN" u="sng" dirty="0">
+                <a:latin typeface="Amasis MT Pro Black" panose="02040A04050005020304" pitchFamily="18" charset="0"/>
+              </a:rPr>
+              <a:t>Essential Cloud Services</a:t>
+            </a:r>
+          </a:p>
+          <a:p>
+            <a:pPr>
+              <a:buFont typeface="Arial" panose="020B0604020202020204" pitchFamily="34" charset="0"/>
+              <a:buChar char="•"/>
+            </a:pPr>
+            <a:r>
+              <a:rPr lang="en-IN" dirty="0">
+                <a:latin typeface="Aptos ExtraBold" panose="020B0004020202020204" pitchFamily="34" charset="0"/>
+              </a:rPr>
+              <a:t>Firebase Authentication</a:t>
+            </a:r>
+            <a:r>
+              <a:rPr lang="en-IN" b="1" dirty="0"/>
+              <a:t>:</a:t>
+            </a:r>
+            <a:r>
+              <a:rPr lang="en-IN" dirty="0"/>
+              <a:t> for providing secure and easy user login using a phone number (OTP).</a:t>
+            </a:r>
+          </a:p>
+          <a:p>
+            <a:pPr>
+              <a:buFont typeface="Arial" panose="020B0604020202020204" pitchFamily="34" charset="0"/>
+              <a:buChar char="•"/>
+            </a:pPr>
+            <a:r>
+              <a:rPr lang="en-IN" b="1" dirty="0">
+                <a:latin typeface="Aptos ExtraBold" panose="020B0004020202020204" pitchFamily="34" charset="0"/>
+              </a:rPr>
+              <a:t>Firebase Cloud Messaging (FCM):</a:t>
+            </a:r>
+            <a:r>
+              <a:rPr lang="en-IN" dirty="0">
+                <a:latin typeface="Aptos ExtraBold" panose="020B0004020202020204" pitchFamily="34" charset="0"/>
+              </a:rPr>
+              <a:t> </a:t>
+            </a:r>
+            <a:r>
+              <a:rPr lang="en-IN" dirty="0"/>
+              <a:t>to deliver the critical, proactive weather alert push notifications.</a:t>
+            </a:r>
+          </a:p>
+          <a:p>
+            <a:pPr>
+              <a:buFont typeface="Arial" panose="020B0604020202020204" pitchFamily="34" charset="0"/>
+              <a:buChar char="•"/>
+            </a:pPr>
+            <a:r>
+              <a:rPr lang="en-IN" b="1" dirty="0">
+                <a:latin typeface="Aptos ExtraBold" panose="020B0004020202020204" pitchFamily="34" charset="0"/>
+              </a:rPr>
+              <a:t>Google Cloud Scheduler</a:t>
+            </a:r>
+            <a:r>
+              <a:rPr lang="en-IN" b="1" dirty="0"/>
+              <a:t>:</a:t>
+            </a:r>
+            <a:r>
+              <a:rPr lang="en-IN" dirty="0"/>
+              <a:t> job scheduler to triggers our background weather checks.</a:t>
+            </a:r>
           </a:p>
         </p:txBody>
       </p:sp>
